--- a/DTD2020-elixir.pptx
+++ b/DTD2020-elixir.pptx
@@ -104,6 +104,11 @@
       </a:defRPr>
     </a:lvl9pPr>
   </p:defaultTextStyle>
+  <p:extLst>
+    <p:ext uri="{EFAFB233-063F-42B5-8137-9DF3F51BA10A}">
+      <p15:sldGuideLst xmlns:p15="http://schemas.microsoft.com/office/powerpoint/2012/main"/>
+    </p:ext>
+  </p:extLst>
 </p:presentation>
 </file>
 
@@ -254,7 +259,7 @@
           <a:p>
             <a:fld id="{E7D84F88-8C60-1A43-81A4-4C6D87543E34}" type="datetimeFigureOut">
               <a:rPr lang="fr-FR" smtClean="0"/>
-              <a:t>01/10/2020</a:t>
+              <a:t>08/10/2020</a:t>
             </a:fld>
             <a:endParaRPr lang="fr-FR"/>
           </a:p>
@@ -427,7 +432,7 @@
           <a:p>
             <a:fld id="{E7D84F88-8C60-1A43-81A4-4C6D87543E34}" type="datetimeFigureOut">
               <a:rPr lang="fr-FR" smtClean="0"/>
-              <a:t>01/10/2020</a:t>
+              <a:t>08/10/2020</a:t>
             </a:fld>
             <a:endParaRPr lang="fr-FR"/>
           </a:p>
@@ -610,7 +615,7 @@
           <a:p>
             <a:fld id="{E7D84F88-8C60-1A43-81A4-4C6D87543E34}" type="datetimeFigureOut">
               <a:rPr lang="fr-FR" smtClean="0"/>
-              <a:t>01/10/2020</a:t>
+              <a:t>08/10/2020</a:t>
             </a:fld>
             <a:endParaRPr lang="fr-FR"/>
           </a:p>
@@ -783,7 +788,7 @@
           <a:p>
             <a:fld id="{E7D84F88-8C60-1A43-81A4-4C6D87543E34}" type="datetimeFigureOut">
               <a:rPr lang="fr-FR" smtClean="0"/>
-              <a:t>01/10/2020</a:t>
+              <a:t>08/10/2020</a:t>
             </a:fld>
             <a:endParaRPr lang="fr-FR"/>
           </a:p>
@@ -1061,7 +1066,7 @@
           <a:p>
             <a:fld id="{E7D84F88-8C60-1A43-81A4-4C6D87543E34}" type="datetimeFigureOut">
               <a:rPr lang="fr-FR" smtClean="0"/>
-              <a:t>01/10/2020</a:t>
+              <a:t>08/10/2020</a:t>
             </a:fld>
             <a:endParaRPr lang="fr-FR"/>
           </a:p>
@@ -1276,7 +1281,7 @@
           <a:p>
             <a:fld id="{E7D84F88-8C60-1A43-81A4-4C6D87543E34}" type="datetimeFigureOut">
               <a:rPr lang="fr-FR" smtClean="0"/>
-              <a:t>01/10/2020</a:t>
+              <a:t>08/10/2020</a:t>
             </a:fld>
             <a:endParaRPr lang="fr-FR"/>
           </a:p>
@@ -1644,7 +1649,7 @@
           <a:p>
             <a:fld id="{E7D84F88-8C60-1A43-81A4-4C6D87543E34}" type="datetimeFigureOut">
               <a:rPr lang="fr-FR" smtClean="0"/>
-              <a:t>01/10/2020</a:t>
+              <a:t>08/10/2020</a:t>
             </a:fld>
             <a:endParaRPr lang="fr-FR"/>
           </a:p>
@@ -1785,7 +1790,7 @@
           <a:p>
             <a:fld id="{E7D84F88-8C60-1A43-81A4-4C6D87543E34}" type="datetimeFigureOut">
               <a:rPr lang="fr-FR" smtClean="0"/>
-              <a:t>01/10/2020</a:t>
+              <a:t>08/10/2020</a:t>
             </a:fld>
             <a:endParaRPr lang="fr-FR"/>
           </a:p>
@@ -1898,7 +1903,7 @@
           <a:p>
             <a:fld id="{E7D84F88-8C60-1A43-81A4-4C6D87543E34}" type="datetimeFigureOut">
               <a:rPr lang="fr-FR" smtClean="0"/>
-              <a:t>01/10/2020</a:t>
+              <a:t>08/10/2020</a:t>
             </a:fld>
             <a:endParaRPr lang="fr-FR"/>
           </a:p>
@@ -2187,7 +2192,7 @@
           <a:p>
             <a:fld id="{E7D84F88-8C60-1A43-81A4-4C6D87543E34}" type="datetimeFigureOut">
               <a:rPr lang="fr-FR" smtClean="0"/>
-              <a:t>01/10/2020</a:t>
+              <a:t>08/10/2020</a:t>
             </a:fld>
             <a:endParaRPr lang="fr-FR"/>
           </a:p>
@@ -2478,7 +2483,7 @@
           <a:p>
             <a:fld id="{E7D84F88-8C60-1A43-81A4-4C6D87543E34}" type="datetimeFigureOut">
               <a:rPr lang="fr-FR" smtClean="0"/>
-              <a:t>01/10/2020</a:t>
+              <a:t>08/10/2020</a:t>
             </a:fld>
             <a:endParaRPr lang="fr-FR"/>
           </a:p>
@@ -2694,7 +2699,7 @@
           <a:p>
             <a:fld id="{E7D84F88-8C60-1A43-81A4-4C6D87543E34}" type="datetimeFigureOut">
               <a:rPr lang="fr-FR" smtClean="0"/>
-              <a:t>01/10/2020</a:t>
+              <a:t>08/10/2020</a:t>
             </a:fld>
             <a:endParaRPr lang="fr-FR"/>
           </a:p>
@@ -3111,93 +3116,12 @@
           <a:chExt cx="0" cy="0"/>
         </a:xfrm>
       </p:grpSpPr>
-      <p:sp>
-        <p:nvSpPr>
-          <p:cNvPr id="2" name="Titre 1">
-            <a:extLst>
-              <a:ext uri="{FF2B5EF4-FFF2-40B4-BE49-F238E27FC236}">
-                <a16:creationId xmlns:a16="http://schemas.microsoft.com/office/drawing/2014/main" id="{345265D2-B776-6E41-8913-AD9BE22F6630}"/>
-              </a:ext>
-            </a:extLst>
-          </p:cNvPr>
-          <p:cNvSpPr>
-            <a:spLocks noGrp="1"/>
-          </p:cNvSpPr>
-          <p:nvPr>
-            <p:ph type="ctrTitle"/>
-          </p:nvPr>
-        </p:nvSpPr>
-        <p:spPr>
-          <a:xfrm>
-            <a:off x="1524000" y="548205"/>
-            <a:ext cx="9144000" cy="2387600"/>
-          </a:xfrm>
-        </p:spPr>
-        <p:txBody>
-          <a:bodyPr>
-            <a:normAutofit fontScale="90000"/>
-          </a:bodyPr>
-          <a:lstStyle/>
-          <a:p>
-            <a:r>
-              <a:rPr lang="fr-FR" b="1" dirty="0"/>
-              <a:t>S’amuser à découvrir Elixir. </a:t>
-            </a:r>
-            <a:br>
-              <a:rPr lang="fr-FR" b="1" dirty="0"/>
-            </a:br>
-            <a:r>
-              <a:rPr lang="fr-FR" b="1" dirty="0"/>
-              <a:t>A consommer sans modération !</a:t>
-            </a:r>
-            <a:br>
-              <a:rPr lang="fr-FR" b="1" dirty="0"/>
-            </a:br>
-            <a:endParaRPr lang="fr-FR" dirty="0"/>
-          </a:p>
-        </p:txBody>
-      </p:sp>
-      <p:sp>
-        <p:nvSpPr>
-          <p:cNvPr id="3" name="Sous-titre 2">
-            <a:extLst>
-              <a:ext uri="{FF2B5EF4-FFF2-40B4-BE49-F238E27FC236}">
-                <a16:creationId xmlns:a16="http://schemas.microsoft.com/office/drawing/2014/main" id="{39DA3A0F-7B54-884A-A25C-09E0A25DF666}"/>
-              </a:ext>
-            </a:extLst>
-          </p:cNvPr>
-          <p:cNvSpPr>
-            <a:spLocks noGrp="1"/>
-          </p:cNvSpPr>
-          <p:nvPr>
-            <p:ph type="subTitle" idx="1"/>
-          </p:nvPr>
-        </p:nvSpPr>
-        <p:spPr>
-          <a:xfrm>
-            <a:off x="1524000" y="6283841"/>
-            <a:ext cx="9144000" cy="409353"/>
-          </a:xfrm>
-        </p:spPr>
-        <p:txBody>
-          <a:bodyPr>
-            <a:normAutofit/>
-          </a:bodyPr>
-          <a:lstStyle/>
-          <a:p>
-            <a:r>
-              <a:rPr lang="fr-FR" sz="1600" dirty="0"/>
-              <a:t>Emeric Fontaine - 2020</a:t>
-            </a:r>
-          </a:p>
-        </p:txBody>
-      </p:sp>
       <p:pic>
         <p:nvPicPr>
-          <p:cNvPr id="1026" name="Picture 2" descr="https://vinum.pro/wp-content/uploads/2015/09/30087_chartreuse_elixir_fl.png">
-            <a:extLst>
-              <a:ext uri="{FF2B5EF4-FFF2-40B4-BE49-F238E27FC236}">
-                <a16:creationId xmlns:a16="http://schemas.microsoft.com/office/drawing/2014/main" id="{2AFAD64D-00BE-634D-AB7F-F606680FBD63}"/>
+          <p:cNvPr id="6" name="Picture 2" descr="Traversée de la Chartreuse par le Mont Granier et Dent de Crolles -  Randonnée Chartreuse">
+            <a:extLst>
+              <a:ext uri="{FF2B5EF4-FFF2-40B4-BE49-F238E27FC236}">
+                <a16:creationId xmlns:a16="http://schemas.microsoft.com/office/drawing/2014/main" id="{010778CB-F7F3-FA4A-9EBB-4B004D4243E5}"/>
               </a:ext>
             </a:extLst>
           </p:cNvPr>
@@ -3208,6 +3132,135 @@
         </p:nvPicPr>
         <p:blipFill>
           <a:blip r:embed="rId2">
+            <a:alphaModFix amt="50000"/>
+            <a:extLst>
+              <a:ext uri="{28A0092B-C50C-407E-A947-70E740481C1C}">
+                <a14:useLocalDpi xmlns:a14="http://schemas.microsoft.com/office/drawing/2010/main" val="0"/>
+              </a:ext>
+            </a:extLst>
+          </a:blip>
+          <a:srcRect/>
+          <a:stretch>
+            <a:fillRect/>
+          </a:stretch>
+        </p:blipFill>
+        <p:spPr bwMode="auto">
+          <a:xfrm>
+            <a:off x="0" y="0"/>
+            <a:ext cx="12192000" cy="6858000"/>
+          </a:xfrm>
+          <a:prstGeom prst="rect">
+            <a:avLst/>
+          </a:prstGeom>
+          <a:noFill/>
+          <a:extLst>
+            <a:ext uri="{909E8E84-426E-40DD-AFC4-6F175D3DCCD1}">
+              <a14:hiddenFill xmlns:a14="http://schemas.microsoft.com/office/drawing/2010/main">
+                <a:solidFill>
+                  <a:srgbClr val="FFFFFF"/>
+                </a:solidFill>
+              </a14:hiddenFill>
+            </a:ext>
+          </a:extLst>
+        </p:spPr>
+      </p:pic>
+      <p:sp>
+        <p:nvSpPr>
+          <p:cNvPr id="2" name="Titre 1">
+            <a:extLst>
+              <a:ext uri="{FF2B5EF4-FFF2-40B4-BE49-F238E27FC236}">
+                <a16:creationId xmlns:a16="http://schemas.microsoft.com/office/drawing/2014/main" id="{345265D2-B776-6E41-8913-AD9BE22F6630}"/>
+              </a:ext>
+            </a:extLst>
+          </p:cNvPr>
+          <p:cNvSpPr>
+            <a:spLocks noGrp="1"/>
+          </p:cNvSpPr>
+          <p:nvPr>
+            <p:ph type="ctrTitle"/>
+          </p:nvPr>
+        </p:nvSpPr>
+        <p:spPr>
+          <a:xfrm>
+            <a:off x="1524000" y="548205"/>
+            <a:ext cx="9144000" cy="2387600"/>
+          </a:xfrm>
+        </p:spPr>
+        <p:txBody>
+          <a:bodyPr>
+            <a:normAutofit fontScale="90000"/>
+          </a:bodyPr>
+          <a:lstStyle/>
+          <a:p>
+            <a:r>
+              <a:rPr lang="fr-FR" b="1" dirty="0"/>
+              <a:t>S’amuser à découvrir Elixir. </a:t>
+            </a:r>
+            <a:br>
+              <a:rPr lang="fr-FR" b="1" dirty="0"/>
+            </a:br>
+            <a:r>
+              <a:rPr lang="fr-FR" b="1" dirty="0"/>
+              <a:t>A consommer sans modération !</a:t>
+            </a:r>
+            <a:br>
+              <a:rPr lang="fr-FR" b="1" dirty="0"/>
+            </a:br>
+            <a:endParaRPr lang="fr-FR" dirty="0"/>
+          </a:p>
+        </p:txBody>
+      </p:sp>
+      <p:sp>
+        <p:nvSpPr>
+          <p:cNvPr id="3" name="Sous-titre 2">
+            <a:extLst>
+              <a:ext uri="{FF2B5EF4-FFF2-40B4-BE49-F238E27FC236}">
+                <a16:creationId xmlns:a16="http://schemas.microsoft.com/office/drawing/2014/main" id="{39DA3A0F-7B54-884A-A25C-09E0A25DF666}"/>
+              </a:ext>
+            </a:extLst>
+          </p:cNvPr>
+          <p:cNvSpPr>
+            <a:spLocks noGrp="1"/>
+          </p:cNvSpPr>
+          <p:nvPr>
+            <p:ph type="subTitle" idx="1"/>
+          </p:nvPr>
+        </p:nvSpPr>
+        <p:spPr>
+          <a:xfrm>
+            <a:off x="1524000" y="6283841"/>
+            <a:ext cx="9144000" cy="409353"/>
+          </a:xfrm>
+        </p:spPr>
+        <p:txBody>
+          <a:bodyPr>
+            <a:normAutofit/>
+          </a:bodyPr>
+          <a:lstStyle/>
+          <a:p>
+            <a:r>
+              <a:rPr lang="fr-FR" sz="1600" dirty="0"/>
+              <a:t>Emeric Fontaine - 2020</a:t>
+            </a:r>
+          </a:p>
+        </p:txBody>
+      </p:sp>
+      <p:pic>
+        <p:nvPicPr>
+          <p:cNvPr id="1026" name="Picture 2" descr="https://vinum.pro/wp-content/uploads/2015/09/30087_chartreuse_elixir_fl.png">
+            <a:extLst>
+              <a:ext uri="{FF2B5EF4-FFF2-40B4-BE49-F238E27FC236}">
+                <a16:creationId xmlns:a16="http://schemas.microsoft.com/office/drawing/2014/main" id="{2AFAD64D-00BE-634D-AB7F-F606680FBD63}"/>
+              </a:ext>
+            </a:extLst>
+          </p:cNvPr>
+          <p:cNvPicPr>
+            <a:picLocks noChangeAspect="1" noChangeArrowheads="1"/>
+          </p:cNvPicPr>
+          <p:nvPr/>
+        </p:nvPicPr>
+        <p:blipFill>
+          <a:blip r:embed="rId3">
             <a:extLst>
               <a:ext uri="{28A0092B-C50C-407E-A947-70E740481C1C}">
                 <a14:useLocalDpi xmlns:a14="http://schemas.microsoft.com/office/drawing/2010/main" val="0"/>
@@ -3221,8 +3274,8 @@
         </p:blipFill>
         <p:spPr bwMode="auto">
           <a:xfrm rot="1032942">
-            <a:off x="7989197" y="2071624"/>
-            <a:ext cx="3733888" cy="3733888"/>
+            <a:off x="8479345" y="2339433"/>
+            <a:ext cx="2382831" cy="2382831"/>
           </a:xfrm>
           <a:prstGeom prst="rect">
             <a:avLst/>
@@ -3254,7 +3307,8 @@
           <p:nvPr/>
         </p:nvPicPr>
         <p:blipFill>
-          <a:blip r:embed="rId3">
+          <a:blip r:embed="rId4">
+            <a:alphaModFix/>
             <a:extLst>
               <a:ext uri="{28A0092B-C50C-407E-A947-70E740481C1C}">
                 <a14:useLocalDpi xmlns:a14="http://schemas.microsoft.com/office/drawing/2010/main" val="0"/>
@@ -3268,7 +3322,7 @@
         </p:blipFill>
         <p:spPr bwMode="auto">
           <a:xfrm rot="20356372">
-            <a:off x="1644205" y="2820232"/>
+            <a:off x="1225717" y="2825749"/>
             <a:ext cx="2882900" cy="1206500"/>
           </a:xfrm>
           <a:prstGeom prst="rect">
@@ -3300,7 +3354,7 @@
         </p:nvSpPr>
         <p:spPr>
           <a:xfrm>
-            <a:off x="3804892" y="5201469"/>
+            <a:off x="3804892" y="5021510"/>
             <a:ext cx="4582216" cy="369332"/>
           </a:xfrm>
           <a:prstGeom prst="rect">
@@ -3358,6 +3412,112 @@
               <a:t>elixir-discover.git</a:t>
             </a:r>
             <a:endParaRPr lang="fr-FR" dirty="0"/>
+          </a:p>
+        </p:txBody>
+      </p:sp>
+      <p:sp>
+        <p:nvSpPr>
+          <p:cNvPr id="5" name="Rectangle 4">
+            <a:extLst>
+              <a:ext uri="{FF2B5EF4-FFF2-40B4-BE49-F238E27FC236}">
+                <a16:creationId xmlns:a16="http://schemas.microsoft.com/office/drawing/2014/main" id="{63312527-DEA5-CF44-B695-EBD6ADEB66AF}"/>
+              </a:ext>
+            </a:extLst>
+          </p:cNvPr>
+          <p:cNvSpPr/>
+          <p:nvPr/>
+        </p:nvSpPr>
+        <p:spPr>
+          <a:xfrm>
+            <a:off x="2521239" y="5647968"/>
+            <a:ext cx="7149521" cy="369332"/>
+          </a:xfrm>
+          <a:prstGeom prst="rect">
+            <a:avLst/>
+          </a:prstGeom>
+          <a:solidFill>
+            <a:schemeClr val="accent2">
+              <a:lumMod val="60000"/>
+              <a:lumOff val="40000"/>
+            </a:schemeClr>
+          </a:solidFill>
+        </p:spPr>
+        <p:style>
+          <a:lnRef idx="2">
+            <a:schemeClr val="accent2"/>
+          </a:lnRef>
+          <a:fillRef idx="1">
+            <a:schemeClr val="lt1"/>
+          </a:fillRef>
+          <a:effectRef idx="0">
+            <a:schemeClr val="accent2"/>
+          </a:effectRef>
+          <a:fontRef idx="minor">
+            <a:schemeClr val="dk1"/>
+          </a:fontRef>
+        </p:style>
+        <p:txBody>
+          <a:bodyPr wrap="none">
+            <a:spAutoFit/>
+          </a:bodyPr>
+          <a:lstStyle/>
+          <a:p>
+            <a:r>
+              <a:rPr lang="fr-FR" dirty="0">
+                <a:solidFill>
+                  <a:schemeClr val="dk1"/>
+                </a:solidFill>
+              </a:rPr>
+              <a:t>https://</a:t>
+            </a:r>
+            <a:r>
+              <a:rPr lang="fr-FR" dirty="0" err="1">
+                <a:solidFill>
+                  <a:schemeClr val="dk1"/>
+                </a:solidFill>
+              </a:rPr>
+              <a:t>glitch.com</a:t>
+            </a:r>
+            <a:r>
+              <a:rPr lang="fr-FR" dirty="0">
+                <a:solidFill>
+                  <a:schemeClr val="dk1"/>
+                </a:solidFill>
+              </a:rPr>
+              <a:t>/</a:t>
+            </a:r>
+            <a:r>
+              <a:rPr lang="fr-FR" dirty="0" err="1">
+                <a:solidFill>
+                  <a:schemeClr val="dk1"/>
+                </a:solidFill>
+              </a:rPr>
+              <a:t>edit</a:t>
+            </a:r>
+            <a:r>
+              <a:rPr lang="fr-FR" dirty="0">
+                <a:solidFill>
+                  <a:schemeClr val="dk1"/>
+                </a:solidFill>
+              </a:rPr>
+              <a:t>/#!/</a:t>
+            </a:r>
+            <a:r>
+              <a:rPr lang="fr-FR" dirty="0" err="1">
+                <a:solidFill>
+                  <a:schemeClr val="dk1"/>
+                </a:solidFill>
+              </a:rPr>
+              <a:t>join</a:t>
+            </a:r>
+            <a:r>
+              <a:rPr lang="fr-FR" dirty="0">
+                <a:solidFill>
+                  <a:schemeClr val="dk1"/>
+                </a:solidFill>
+              </a:rPr>
+              <a:t>/0479a08b-a9a4-46eb-b3e0-365e1a190de8</a:t>
+            </a:r>
           </a:p>
         </p:txBody>
       </p:sp>
